--- a/Examples/Data/Charts/SetDataRange_out.pptx
+++ b/Examples/Data/Charts/SetDataRange_out.pptx
@@ -1,6 +1,6 @@
 
 <file path=ppt/presentation.xml><?xml version="1.0" encoding="utf-8"?>
-<!--Generated by Aspose.Slides for .NET 19.6-->
+<!--Generated by Aspose.Slides for .NET 21.12-->
 <p:presentation xmlns:r="http://schemas.openxmlformats.org/officeDocument/2006/relationships" xmlns:a="http://schemas.openxmlformats.org/drawingml/2006/main" xmlns:p="http://schemas.openxmlformats.org/presentationml/2006/main" saveSubsetFonts="1">
   <p:sldMasterIdLst>
     <p:sldMasterId id="2147483648" r:id="rId1"/>
@@ -128,7 +128,7 @@
 </file>
 
 <file path=ppt/charts/chart1.xml><?xml version="1.0" encoding="utf-8"?>
-<c:chartSpace xmlns:a="http://schemas.openxmlformats.org/drawingml/2006/main" xmlns:r="http://schemas.openxmlformats.org/officeDocument/2006/relationships" xmlns:c="http://schemas.openxmlformats.org/drawingml/2006/chart">
+<c:chartSpace xmlns:a="http://schemas.openxmlformats.org/drawingml/2006/main" xmlns:r="http://schemas.openxmlformats.org/officeDocument/2006/relationships" xmlns:m="http://schemas.openxmlformats.org/officeDocument/2006/math" xmlns:w="http://schemas.openxmlformats.org/wordprocessingml/2006/main" xmlns:wp="http://schemas.openxmlformats.org/drawingml/2006/wordprocessingDrawing" xmlns:a14="http://schemas.microsoft.com/office/drawing/2010/main" xmlns:c="http://schemas.openxmlformats.org/drawingml/2006/chart">
   <c:date1904 val="0"/>
   <c:lang val="en-US"/>
   <c:roundedCorners val="0"/>
@@ -292,7 +292,7 @@
 </file>
 
 <file path=ppt/slideLayouts/slideLayout1.xml><?xml version="1.0" encoding="utf-8"?>
-<p:sldLayout xmlns:a="http://schemas.openxmlformats.org/drawingml/2006/main" xmlns:r="http://schemas.openxmlformats.org/officeDocument/2006/relationships" xmlns:p14="http://schemas.microsoft.com/office/powerpoint/2010/main" xmlns:a14="http://schemas.microsoft.com/office/drawing/2010/main" xmlns:p15="http://schemas.microsoft.com/office/powerpoint/2012/main" xmlns:p159="http://schemas.microsoft.com/office/powerpoint/2015/09/main" xmlns:p="http://schemas.openxmlformats.org/presentationml/2006/main" type="title" preserve="1">
+<p:sldLayout xmlns:a="http://schemas.openxmlformats.org/drawingml/2006/main" xmlns:r="http://schemas.openxmlformats.org/officeDocument/2006/relationships" xmlns:m="http://schemas.openxmlformats.org/officeDocument/2006/math" xmlns:w="http://schemas.openxmlformats.org/wordprocessingml/2006/main" xmlns:wp="http://schemas.openxmlformats.org/drawingml/2006/wordprocessingDrawing" xmlns:a14="http://schemas.microsoft.com/office/drawing/2010/main" xmlns:mc="http://schemas.openxmlformats.org/markup-compatibility/2006" xmlns:p14="http://schemas.microsoft.com/office/powerpoint/2010/main" xmlns:p15="http://schemas.microsoft.com/office/powerpoint/2012/main" xmlns:p159="http://schemas.microsoft.com/office/powerpoint/2015/09/main" xmlns:p="http://schemas.openxmlformats.org/presentationml/2006/main" type="title" preserve="1">
   <p:cSld name="Title Slide">
     <p:spTree>
       <p:nvGrpSpPr>
@@ -529,7 +529,7 @@
 </file>
 
 <file path=ppt/slideLayouts/slideLayout10.xml><?xml version="1.0" encoding="utf-8"?>
-<p:sldLayout xmlns:a="http://schemas.openxmlformats.org/drawingml/2006/main" xmlns:r="http://schemas.openxmlformats.org/officeDocument/2006/relationships" xmlns:p14="http://schemas.microsoft.com/office/powerpoint/2010/main" xmlns:a14="http://schemas.microsoft.com/office/drawing/2010/main" xmlns:p15="http://schemas.microsoft.com/office/powerpoint/2012/main" xmlns:p159="http://schemas.microsoft.com/office/powerpoint/2015/09/main" xmlns:p="http://schemas.openxmlformats.org/presentationml/2006/main" type="vertTx" preserve="1">
+<p:sldLayout xmlns:a="http://schemas.openxmlformats.org/drawingml/2006/main" xmlns:r="http://schemas.openxmlformats.org/officeDocument/2006/relationships" xmlns:m="http://schemas.openxmlformats.org/officeDocument/2006/math" xmlns:w="http://schemas.openxmlformats.org/wordprocessingml/2006/main" xmlns:wp="http://schemas.openxmlformats.org/drawingml/2006/wordprocessingDrawing" xmlns:a14="http://schemas.microsoft.com/office/drawing/2010/main" xmlns:mc="http://schemas.openxmlformats.org/markup-compatibility/2006" xmlns:p14="http://schemas.microsoft.com/office/powerpoint/2010/main" xmlns:p15="http://schemas.microsoft.com/office/powerpoint/2012/main" xmlns:p159="http://schemas.microsoft.com/office/powerpoint/2015/09/main" xmlns:p="http://schemas.openxmlformats.org/presentationml/2006/main" type="vertTx" preserve="1">
   <p:cSld name="Title and Vertical Text">
     <p:spTree>
       <p:nvGrpSpPr>
@@ -694,7 +694,7 @@
 </file>
 
 <file path=ppt/slideLayouts/slideLayout11.xml><?xml version="1.0" encoding="utf-8"?>
-<p:sldLayout xmlns:a="http://schemas.openxmlformats.org/drawingml/2006/main" xmlns:r="http://schemas.openxmlformats.org/officeDocument/2006/relationships" xmlns:p14="http://schemas.microsoft.com/office/powerpoint/2010/main" xmlns:a14="http://schemas.microsoft.com/office/drawing/2010/main" xmlns:p15="http://schemas.microsoft.com/office/powerpoint/2012/main" xmlns:p159="http://schemas.microsoft.com/office/powerpoint/2015/09/main" xmlns:p="http://schemas.openxmlformats.org/presentationml/2006/main" type="vertTitleAndTx" preserve="1">
+<p:sldLayout xmlns:a="http://schemas.openxmlformats.org/drawingml/2006/main" xmlns:r="http://schemas.openxmlformats.org/officeDocument/2006/relationships" xmlns:m="http://schemas.openxmlformats.org/officeDocument/2006/math" xmlns:w="http://schemas.openxmlformats.org/wordprocessingml/2006/main" xmlns:wp="http://schemas.openxmlformats.org/drawingml/2006/wordprocessingDrawing" xmlns:a14="http://schemas.microsoft.com/office/drawing/2010/main" xmlns:mc="http://schemas.openxmlformats.org/markup-compatibility/2006" xmlns:p14="http://schemas.microsoft.com/office/powerpoint/2010/main" xmlns:p15="http://schemas.microsoft.com/office/powerpoint/2012/main" xmlns:p159="http://schemas.microsoft.com/office/powerpoint/2015/09/main" xmlns:p="http://schemas.openxmlformats.org/presentationml/2006/main" type="vertTitleAndTx" preserve="1">
   <p:cSld name="Vertical Title and Text">
     <p:spTree>
       <p:nvGrpSpPr>
@@ -869,7 +869,7 @@
 </file>
 
 <file path=ppt/slideLayouts/slideLayout2.xml><?xml version="1.0" encoding="utf-8"?>
-<p:sldLayout xmlns:a="http://schemas.openxmlformats.org/drawingml/2006/main" xmlns:r="http://schemas.openxmlformats.org/officeDocument/2006/relationships" xmlns:p14="http://schemas.microsoft.com/office/powerpoint/2010/main" xmlns:a14="http://schemas.microsoft.com/office/drawing/2010/main" xmlns:p15="http://schemas.microsoft.com/office/powerpoint/2012/main" xmlns:p159="http://schemas.microsoft.com/office/powerpoint/2015/09/main" xmlns:p="http://schemas.openxmlformats.org/presentationml/2006/main" type="obj" preserve="1">
+<p:sldLayout xmlns:a="http://schemas.openxmlformats.org/drawingml/2006/main" xmlns:r="http://schemas.openxmlformats.org/officeDocument/2006/relationships" xmlns:m="http://schemas.openxmlformats.org/officeDocument/2006/math" xmlns:w="http://schemas.openxmlformats.org/wordprocessingml/2006/main" xmlns:wp="http://schemas.openxmlformats.org/drawingml/2006/wordprocessingDrawing" xmlns:a14="http://schemas.microsoft.com/office/drawing/2010/main" xmlns:mc="http://schemas.openxmlformats.org/markup-compatibility/2006" xmlns:p14="http://schemas.microsoft.com/office/powerpoint/2010/main" xmlns:p15="http://schemas.microsoft.com/office/powerpoint/2012/main" xmlns:p159="http://schemas.microsoft.com/office/powerpoint/2015/09/main" xmlns:p="http://schemas.openxmlformats.org/presentationml/2006/main" type="obj" preserve="1">
   <p:cSld name="Title and Content">
     <p:spTree>
       <p:nvGrpSpPr>
@@ -1034,7 +1034,7 @@
 </file>
 
 <file path=ppt/slideLayouts/slideLayout3.xml><?xml version="1.0" encoding="utf-8"?>
-<p:sldLayout xmlns:a="http://schemas.openxmlformats.org/drawingml/2006/main" xmlns:r="http://schemas.openxmlformats.org/officeDocument/2006/relationships" xmlns:p14="http://schemas.microsoft.com/office/powerpoint/2010/main" xmlns:a14="http://schemas.microsoft.com/office/drawing/2010/main" xmlns:p15="http://schemas.microsoft.com/office/powerpoint/2012/main" xmlns:p159="http://schemas.microsoft.com/office/powerpoint/2015/09/main" xmlns:p="http://schemas.openxmlformats.org/presentationml/2006/main" type="secHead" preserve="1">
+<p:sldLayout xmlns:a="http://schemas.openxmlformats.org/drawingml/2006/main" xmlns:r="http://schemas.openxmlformats.org/officeDocument/2006/relationships" xmlns:m="http://schemas.openxmlformats.org/officeDocument/2006/math" xmlns:w="http://schemas.openxmlformats.org/wordprocessingml/2006/main" xmlns:wp="http://schemas.openxmlformats.org/drawingml/2006/wordprocessingDrawing" xmlns:a14="http://schemas.microsoft.com/office/drawing/2010/main" xmlns:mc="http://schemas.openxmlformats.org/markup-compatibility/2006" xmlns:p14="http://schemas.microsoft.com/office/powerpoint/2010/main" xmlns:p15="http://schemas.microsoft.com/office/powerpoint/2012/main" xmlns:p159="http://schemas.microsoft.com/office/powerpoint/2015/09/main" xmlns:p="http://schemas.openxmlformats.org/presentationml/2006/main" type="secHead" preserve="1">
   <p:cSld name="Section Header">
     <p:spTree>
       <p:nvGrpSpPr>
@@ -1275,7 +1275,7 @@
 </file>
 
 <file path=ppt/slideLayouts/slideLayout4.xml><?xml version="1.0" encoding="utf-8"?>
-<p:sldLayout xmlns:a="http://schemas.openxmlformats.org/drawingml/2006/main" xmlns:r="http://schemas.openxmlformats.org/officeDocument/2006/relationships" xmlns:p14="http://schemas.microsoft.com/office/powerpoint/2010/main" xmlns:a14="http://schemas.microsoft.com/office/drawing/2010/main" xmlns:p15="http://schemas.microsoft.com/office/powerpoint/2012/main" xmlns:p159="http://schemas.microsoft.com/office/powerpoint/2015/09/main" xmlns:p="http://schemas.openxmlformats.org/presentationml/2006/main" type="twoObj" preserve="1">
+<p:sldLayout xmlns:a="http://schemas.openxmlformats.org/drawingml/2006/main" xmlns:r="http://schemas.openxmlformats.org/officeDocument/2006/relationships" xmlns:m="http://schemas.openxmlformats.org/officeDocument/2006/math" xmlns:w="http://schemas.openxmlformats.org/wordprocessingml/2006/main" xmlns:wp="http://schemas.openxmlformats.org/drawingml/2006/wordprocessingDrawing" xmlns:a14="http://schemas.microsoft.com/office/drawing/2010/main" xmlns:mc="http://schemas.openxmlformats.org/markup-compatibility/2006" xmlns:p14="http://schemas.microsoft.com/office/powerpoint/2010/main" xmlns:p15="http://schemas.microsoft.com/office/powerpoint/2012/main" xmlns:p159="http://schemas.microsoft.com/office/powerpoint/2015/09/main" xmlns:p="http://schemas.openxmlformats.org/presentationml/2006/main" type="twoObj" preserve="1">
   <p:cSld name="Two Content">
     <p:spTree>
       <p:nvGrpSpPr>
@@ -1558,7 +1558,7 @@
 </file>
 
 <file path=ppt/slideLayouts/slideLayout5.xml><?xml version="1.0" encoding="utf-8"?>
-<p:sldLayout xmlns:a="http://schemas.openxmlformats.org/drawingml/2006/main" xmlns:r="http://schemas.openxmlformats.org/officeDocument/2006/relationships" xmlns:p14="http://schemas.microsoft.com/office/powerpoint/2010/main" xmlns:a14="http://schemas.microsoft.com/office/drawing/2010/main" xmlns:p15="http://schemas.microsoft.com/office/powerpoint/2012/main" xmlns:p159="http://schemas.microsoft.com/office/powerpoint/2015/09/main" xmlns:p="http://schemas.openxmlformats.org/presentationml/2006/main" type="twoTxTwoObj" preserve="1">
+<p:sldLayout xmlns:a="http://schemas.openxmlformats.org/drawingml/2006/main" xmlns:r="http://schemas.openxmlformats.org/officeDocument/2006/relationships" xmlns:m="http://schemas.openxmlformats.org/officeDocument/2006/math" xmlns:w="http://schemas.openxmlformats.org/wordprocessingml/2006/main" xmlns:wp="http://schemas.openxmlformats.org/drawingml/2006/wordprocessingDrawing" xmlns:a14="http://schemas.microsoft.com/office/drawing/2010/main" xmlns:mc="http://schemas.openxmlformats.org/markup-compatibility/2006" xmlns:p14="http://schemas.microsoft.com/office/powerpoint/2010/main" xmlns:p15="http://schemas.microsoft.com/office/powerpoint/2012/main" xmlns:p159="http://schemas.microsoft.com/office/powerpoint/2015/09/main" xmlns:p="http://schemas.openxmlformats.org/presentationml/2006/main" type="twoTxTwoObj" preserve="1">
   <p:cSld name="Comparison">
     <p:spTree>
       <p:nvGrpSpPr>
@@ -1971,7 +1971,7 @@
 </file>
 
 <file path=ppt/slideLayouts/slideLayout6.xml><?xml version="1.0" encoding="utf-8"?>
-<p:sldLayout xmlns:a="http://schemas.openxmlformats.org/drawingml/2006/main" xmlns:r="http://schemas.openxmlformats.org/officeDocument/2006/relationships" xmlns:p14="http://schemas.microsoft.com/office/powerpoint/2010/main" xmlns:a14="http://schemas.microsoft.com/office/drawing/2010/main" xmlns:p15="http://schemas.microsoft.com/office/powerpoint/2012/main" xmlns:p159="http://schemas.microsoft.com/office/powerpoint/2015/09/main" xmlns:p="http://schemas.openxmlformats.org/presentationml/2006/main" type="titleOnly" preserve="1">
+<p:sldLayout xmlns:a="http://schemas.openxmlformats.org/drawingml/2006/main" xmlns:r="http://schemas.openxmlformats.org/officeDocument/2006/relationships" xmlns:m="http://schemas.openxmlformats.org/officeDocument/2006/math" xmlns:w="http://schemas.openxmlformats.org/wordprocessingml/2006/main" xmlns:wp="http://schemas.openxmlformats.org/drawingml/2006/wordprocessingDrawing" xmlns:a14="http://schemas.microsoft.com/office/drawing/2010/main" xmlns:mc="http://schemas.openxmlformats.org/markup-compatibility/2006" xmlns:p14="http://schemas.microsoft.com/office/powerpoint/2010/main" xmlns:p15="http://schemas.microsoft.com/office/powerpoint/2012/main" xmlns:p159="http://schemas.microsoft.com/office/powerpoint/2015/09/main" xmlns:p="http://schemas.openxmlformats.org/presentationml/2006/main" type="titleOnly" preserve="1">
   <p:cSld name="Title Only">
     <p:spTree>
       <p:nvGrpSpPr>
@@ -2084,7 +2084,7 @@
 </file>
 
 <file path=ppt/slideLayouts/slideLayout7.xml><?xml version="1.0" encoding="utf-8"?>
-<p:sldLayout xmlns:a="http://schemas.openxmlformats.org/drawingml/2006/main" xmlns:r="http://schemas.openxmlformats.org/officeDocument/2006/relationships" xmlns:p14="http://schemas.microsoft.com/office/powerpoint/2010/main" xmlns:a14="http://schemas.microsoft.com/office/drawing/2010/main" xmlns:p15="http://schemas.microsoft.com/office/powerpoint/2012/main" xmlns:p159="http://schemas.microsoft.com/office/powerpoint/2015/09/main" xmlns:p="http://schemas.openxmlformats.org/presentationml/2006/main" type="blank" preserve="1">
+<p:sldLayout xmlns:a="http://schemas.openxmlformats.org/drawingml/2006/main" xmlns:r="http://schemas.openxmlformats.org/officeDocument/2006/relationships" xmlns:m="http://schemas.openxmlformats.org/officeDocument/2006/math" xmlns:w="http://schemas.openxmlformats.org/wordprocessingml/2006/main" xmlns:wp="http://schemas.openxmlformats.org/drawingml/2006/wordprocessingDrawing" xmlns:a14="http://schemas.microsoft.com/office/drawing/2010/main" xmlns:mc="http://schemas.openxmlformats.org/markup-compatibility/2006" xmlns:p14="http://schemas.microsoft.com/office/powerpoint/2010/main" xmlns:p15="http://schemas.microsoft.com/office/powerpoint/2012/main" xmlns:p159="http://schemas.microsoft.com/office/powerpoint/2015/09/main" xmlns:p="http://schemas.openxmlformats.org/presentationml/2006/main" type="blank" preserve="1">
   <p:cSld name="Blank">
     <p:spTree>
       <p:nvGrpSpPr>
@@ -2174,7 +2174,7 @@
 </file>
 
 <file path=ppt/slideLayouts/slideLayout8.xml><?xml version="1.0" encoding="utf-8"?>
-<p:sldLayout xmlns:a="http://schemas.openxmlformats.org/drawingml/2006/main" xmlns:r="http://schemas.openxmlformats.org/officeDocument/2006/relationships" xmlns:p14="http://schemas.microsoft.com/office/powerpoint/2010/main" xmlns:a14="http://schemas.microsoft.com/office/drawing/2010/main" xmlns:p15="http://schemas.microsoft.com/office/powerpoint/2012/main" xmlns:p159="http://schemas.microsoft.com/office/powerpoint/2015/09/main" xmlns:p="http://schemas.openxmlformats.org/presentationml/2006/main" type="objTx" preserve="1">
+<p:sldLayout xmlns:a="http://schemas.openxmlformats.org/drawingml/2006/main" xmlns:r="http://schemas.openxmlformats.org/officeDocument/2006/relationships" xmlns:m="http://schemas.openxmlformats.org/officeDocument/2006/math" xmlns:w="http://schemas.openxmlformats.org/wordprocessingml/2006/main" xmlns:wp="http://schemas.openxmlformats.org/drawingml/2006/wordprocessingDrawing" xmlns:a14="http://schemas.microsoft.com/office/drawing/2010/main" xmlns:mc="http://schemas.openxmlformats.org/markup-compatibility/2006" xmlns:p14="http://schemas.microsoft.com/office/powerpoint/2010/main" xmlns:p15="http://schemas.microsoft.com/office/powerpoint/2012/main" xmlns:p159="http://schemas.microsoft.com/office/powerpoint/2015/09/main" xmlns:p="http://schemas.openxmlformats.org/presentationml/2006/main" type="objTx" preserve="1">
   <p:cSld name="Content with Caption">
     <p:spTree>
       <p:nvGrpSpPr>
@@ -2446,7 +2446,7 @@
 </file>
 
 <file path=ppt/slideLayouts/slideLayout9.xml><?xml version="1.0" encoding="utf-8"?>
-<p:sldLayout xmlns:a="http://schemas.openxmlformats.org/drawingml/2006/main" xmlns:r="http://schemas.openxmlformats.org/officeDocument/2006/relationships" xmlns:p14="http://schemas.microsoft.com/office/powerpoint/2010/main" xmlns:a14="http://schemas.microsoft.com/office/drawing/2010/main" xmlns:p15="http://schemas.microsoft.com/office/powerpoint/2012/main" xmlns:p159="http://schemas.microsoft.com/office/powerpoint/2015/09/main" xmlns:p="http://schemas.openxmlformats.org/presentationml/2006/main" type="picTx" preserve="1">
+<p:sldLayout xmlns:a="http://schemas.openxmlformats.org/drawingml/2006/main" xmlns:r="http://schemas.openxmlformats.org/officeDocument/2006/relationships" xmlns:m="http://schemas.openxmlformats.org/officeDocument/2006/math" xmlns:w="http://schemas.openxmlformats.org/wordprocessingml/2006/main" xmlns:wp="http://schemas.openxmlformats.org/drawingml/2006/wordprocessingDrawing" xmlns:a14="http://schemas.microsoft.com/office/drawing/2010/main" xmlns:mc="http://schemas.openxmlformats.org/markup-compatibility/2006" xmlns:p14="http://schemas.microsoft.com/office/powerpoint/2010/main" xmlns:p15="http://schemas.microsoft.com/office/powerpoint/2012/main" xmlns:p159="http://schemas.microsoft.com/office/powerpoint/2015/09/main" xmlns:p="http://schemas.openxmlformats.org/presentationml/2006/main" type="picTx" preserve="1">
   <p:cSld name="Picture with Caption">
     <p:spTree>
       <p:nvGrpSpPr>
@@ -2694,7 +2694,7 @@
 </file>
 
 <file path=ppt/slideMasters/slideMaster1.xml><?xml version="1.0" encoding="utf-8"?>
-<p:sldMaster xmlns:a="http://schemas.openxmlformats.org/drawingml/2006/main" xmlns:r="http://schemas.openxmlformats.org/officeDocument/2006/relationships" xmlns:p14="http://schemas.microsoft.com/office/powerpoint/2010/main" xmlns:a14="http://schemas.microsoft.com/office/drawing/2010/main" xmlns:p15="http://schemas.microsoft.com/office/powerpoint/2012/main" xmlns:p159="http://schemas.microsoft.com/office/powerpoint/2015/09/main" xmlns:p="http://schemas.openxmlformats.org/presentationml/2006/main">
+<p:sldMaster xmlns:a="http://schemas.openxmlformats.org/drawingml/2006/main" xmlns:r="http://schemas.openxmlformats.org/officeDocument/2006/relationships" xmlns:m="http://schemas.openxmlformats.org/officeDocument/2006/math" xmlns:w="http://schemas.openxmlformats.org/wordprocessingml/2006/main" xmlns:wp="http://schemas.openxmlformats.org/drawingml/2006/wordprocessingDrawing" xmlns:a14="http://schemas.microsoft.com/office/drawing/2010/main" xmlns:mc="http://schemas.openxmlformats.org/markup-compatibility/2006" xmlns:p14="http://schemas.microsoft.com/office/powerpoint/2010/main" xmlns:p15="http://schemas.microsoft.com/office/powerpoint/2012/main" xmlns:p159="http://schemas.microsoft.com/office/powerpoint/2015/09/main" xmlns:p="http://schemas.openxmlformats.org/presentationml/2006/main">
   <p:cSld>
     <p:bg>
       <p:bgRef idx="1001">
@@ -3199,7 +3199,7 @@
 </file>
 
 <file path=ppt/slides/slide1.xml><?xml version="1.0" encoding="utf-8"?>
-<p:sld xmlns:a="http://schemas.openxmlformats.org/drawingml/2006/main" xmlns:r="http://schemas.openxmlformats.org/officeDocument/2006/relationships" xmlns:p14="http://schemas.microsoft.com/office/powerpoint/2010/main" xmlns:a14="http://schemas.microsoft.com/office/drawing/2010/main" xmlns:p15="http://schemas.microsoft.com/office/powerpoint/2012/main" xmlns:p159="http://schemas.microsoft.com/office/powerpoint/2015/09/main" xmlns:p="http://schemas.openxmlformats.org/presentationml/2006/main">
+<p:sld xmlns:a="http://schemas.openxmlformats.org/drawingml/2006/main" xmlns:r="http://schemas.openxmlformats.org/officeDocument/2006/relationships" xmlns:m="http://schemas.openxmlformats.org/officeDocument/2006/math" xmlns:w="http://schemas.openxmlformats.org/wordprocessingml/2006/main" xmlns:wp="http://schemas.openxmlformats.org/drawingml/2006/wordprocessingDrawing" xmlns:a14="http://schemas.microsoft.com/office/drawing/2010/main" xmlns:mc="http://schemas.openxmlformats.org/markup-compatibility/2006" xmlns:p14="http://schemas.microsoft.com/office/powerpoint/2010/main" xmlns:p15="http://schemas.microsoft.com/office/powerpoint/2012/main" xmlns:p159="http://schemas.microsoft.com/office/powerpoint/2015/09/main" xmlns:p="http://schemas.openxmlformats.org/presentationml/2006/main">
   <p:cSld>
     <p:spTree>
       <p:nvGrpSpPr>
@@ -3312,6 +3312,77 @@
           </a:p>
         </p:txBody>
       </p:sp>
+      <p:sp>
+        <p:nvSpPr>
+          <p:cNvPr id="5" name="TextBox"/>
+          <p:cNvSpPr txBox="1">
+            <a:spLocks noGrp="1" noSelect="1" noRot="1" noMove="1"/>
+          </p:cNvSpPr>
+          <p:nvPr/>
+        </p:nvSpPr>
+        <p:spPr>
+          <a:xfrm>
+            <a:off x="1366520" y="2644140"/>
+            <a:ext cx="6411372" cy="1569660"/>
+          </a:xfrm>
+          <a:prstGeom prst="rect">
+            <a:avLst/>
+          </a:prstGeom>
+          <a:noFill/>
+        </p:spPr>
+        <p:txBody>
+          <a:bodyPr wrap="none" rtlCol="0" anchor="ctr" anchorCtr="1">
+            <a:spAutoFit/>
+          </a:bodyPr>
+          <a:lstStyle>
+            <a:lvl1pPr algn="l">
+              <a:lnSpc>
+                <a:spcPct val="150000"/>
+              </a:lnSpc>
+              <a:spcBef>
+                <a:spcPct val="0"/>
+              </a:spcBef>
+              <a:spcAft>
+                <a:spcPct val="0"/>
+              </a:spcAft>
+              <a:defRPr lang="en-US" sz="3200" b="1" noProof="1" dirty="0">
+                <a:solidFill>
+                  <a:prstClr val="red">
+                    <a:lumOff val="30000"/>
+                    <a:alpha val="40000"/>
+                  </a:prstClr>
+                </a:solidFill>
+                <a:effectLst>
+                  <a:outerShdw blurRad="50800" dist="38100" algn="tr" rotWithShape="0">
+                    <a:prstClr val="black">
+                      <a:alpha val="80000"/>
+                    </a:prstClr>
+                  </a:outerShdw>
+                </a:effectLst>
+                <a:latin typeface="Calibri" pitchFamily="34" charset="0"/>
+              </a:defRPr>
+            </a:lvl1pPr>
+          </a:lstStyle>
+          <a:p>
+            <a:pPr algn="ctr"/>
+            <a:r>
+              <a:t>Evaluation only.</a:t>
+            </a:r>
+          </a:p>
+          <a:p>
+            <a:pPr algn="ctr"/>
+            <a:r>
+              <a:t>Created with Aspose.Slides for .NET 4.0 Client Profile 21.12.</a:t>
+            </a:r>
+          </a:p>
+          <a:p>
+            <a:pPr algn="ctr"/>
+            <a:r>
+              <a:t>Copyright 2004-2021Aspose Pty Ltd.</a:t>
+            </a:r>
+          </a:p>
+        </p:txBody>
+      </p:sp>
     </p:spTree>
   </p:cSld>
   <p:clrMapOvr>
@@ -3325,10 +3396,10 @@
 <file path=ppt/tags/tag1.xml><?xml version="1.0" encoding="utf-8"?>
 <p:tagLst xmlns:p="http://schemas.openxmlformats.org/presentationml/2006/main">
   <p:tag name="AS_NET" val="4.0.30319.42000"/>
-  <p:tag name="AS_OS" val="Microsoft Windows NT 6.2.9200.0"/>
-  <p:tag name="AS_RELEASE_DATE" val="2019.06.14"/>
+  <p:tag name="AS_OS" val="Microsoft Windows NT 6.3.9600.0"/>
+  <p:tag name="AS_RELEASE_DATE" val="2021.12.14"/>
   <p:tag name="AS_TITLE" val="Aspose.Slides for .NET 4.0 Client Profile"/>
-  <p:tag name="AS_VERSION" val="19.6"/>
+  <p:tag name="AS_VERSION" val="21.12"/>
 </p:tagLst>
 </file>
 
@@ -3376,7 +3447,7 @@
     <a:fontScheme name="Office">
       <a:majorFont>
         <a:latin typeface="Calibri"/>
-        <a:ea typeface="Arial"/>
+        <a:ea typeface="Calibri"/>
         <a:cs typeface="Arial"/>
         <a:font script="Jpan" typeface="ＭＳ%20Ｐゴシック"/>
         <a:font script="Hang" typeface="맑은%20고딕"/>
@@ -3411,7 +3482,7 @@
       </a:majorFont>
       <a:minorFont>
         <a:latin typeface="Calibri"/>
-        <a:ea typeface="Arial"/>
+        <a:ea typeface="Calibri"/>
         <a:cs typeface="Arial"/>
         <a:font script="Jpan" typeface="ＭＳ%20Ｐゴシック"/>
         <a:font script="Hang" typeface="맑은%20고딕"/>
